--- a/presentation.pptx
+++ b/presentation.pptx
@@ -153,7 +153,7 @@
               </a:defRPr>
             </a:pPr>
             <a:r>
-              <a:rPr lang="en-US" dirty="0"/>
+              <a:rPr lang="en-US"/>
               <a:t>Model Performance</a:t>
             </a:r>
           </a:p>
@@ -219,6 +219,62 @@
             <a:effectLst/>
           </c:spPr>
           <c:invertIfNegative val="0"/>
+          <c:dLbls>
+            <c:spPr>
+              <a:noFill/>
+              <a:ln>
+                <a:noFill/>
+              </a:ln>
+              <a:effectLst/>
+            </c:spPr>
+            <c:txPr>
+              <a:bodyPr rot="0" spcFirstLastPara="1" vertOverflow="ellipsis" vert="horz" wrap="square" anchor="ctr" anchorCtr="1"/>
+              <a:lstStyle/>
+              <a:p>
+                <a:pPr>
+                  <a:defRPr sz="2400" b="0" i="0" u="none" strike="noStrike" kern="1200" baseline="0">
+                    <a:solidFill>
+                      <a:schemeClr val="tx1">
+                        <a:lumMod val="75000"/>
+                        <a:lumOff val="25000"/>
+                      </a:schemeClr>
+                    </a:solidFill>
+                    <a:latin typeface="+mn-lt"/>
+                    <a:ea typeface="+mn-ea"/>
+                    <a:cs typeface="+mn-cs"/>
+                  </a:defRPr>
+                </a:pPr>
+                <a:endParaRPr lang="en-US"/>
+              </a:p>
+            </c:txPr>
+            <c:dLblPos val="outEnd"/>
+            <c:showLegendKey val="0"/>
+            <c:showVal val="1"/>
+            <c:showCatName val="0"/>
+            <c:showSerName val="0"/>
+            <c:showPercent val="0"/>
+            <c:showBubbleSize val="0"/>
+            <c:showLeaderLines val="0"/>
+            <c:extLst>
+              <c:ext xmlns:c15="http://schemas.microsoft.com/office/drawing/2012/chart" uri="{CE6537A1-D6FC-4f65-9D91-7224C49458BB}">
+                <c15:showLeaderLines val="1"/>
+                <c15:leaderLines>
+                  <c:spPr>
+                    <a:ln w="9525" cap="flat" cmpd="sng" algn="ctr">
+                      <a:solidFill>
+                        <a:schemeClr val="tx1">
+                          <a:lumMod val="35000"/>
+                          <a:lumOff val="65000"/>
+                        </a:schemeClr>
+                      </a:solidFill>
+                      <a:round/>
+                    </a:ln>
+                    <a:effectLst/>
+                  </c:spPr>
+                </c15:leaderLines>
+              </c:ext>
+            </c:extLst>
+          </c:dLbls>
           <c:cat>
             <c:strRef>
               <c:f>Sheet1!$A$2:$A$3</c:f>
@@ -237,7 +293,7 @@
             <c:numRef>
               <c:f>Sheet1!$B$2:$B$3</c:f>
               <c:numCache>
-                <c:formatCode>General</c:formatCode>
+                <c:formatCode>0.00</c:formatCode>
                 <c:ptCount val="2"/>
                 <c:pt idx="0">
                   <c:v>0.253</c:v>
@@ -250,7 +306,7 @@
           </c:val>
           <c:extLst>
             <c:ext xmlns:c16="http://schemas.microsoft.com/office/drawing/2014/chart" uri="{C3380CC4-5D6E-409C-BE32-E72D297353CC}">
-              <c16:uniqueId val="{00000000-2D01-4125-A981-6AD8BADEC9E6}"/>
+              <c16:uniqueId val="{00000000-35A6-4648-9220-4A5F73B59B80}"/>
             </c:ext>
           </c:extLst>
         </c:ser>
@@ -340,7 +396,7 @@
             <a:effectLst/>
           </c:spPr>
         </c:majorGridlines>
-        <c:numFmt formatCode="General" sourceLinked="1"/>
+        <c:numFmt formatCode="0.00" sourceLinked="1"/>
         <c:majorTickMark val="none"/>
         <c:minorTickMark val="none"/>
         <c:tickLblPos val="nextTo"/>
@@ -2554,7 +2610,7 @@
             <a:fld id="{B61BEF0D-F0BB-DE4B-95CE-6DB70DBA9567}" type="datetimeFigureOut">
               <a:rPr lang="en-US" dirty="0"/>
               <a:pPr/>
-              <a:t>4/17/2019</a:t>
+              <a:t>4/18/2019</a:t>
             </a:fld>
             <a:endParaRPr lang="en-US" dirty="0"/>
           </a:p>
@@ -2802,7 +2858,7 @@
             <a:fld id="{B61BEF0D-F0BB-DE4B-95CE-6DB70DBA9567}" type="datetimeFigureOut">
               <a:rPr lang="en-US" dirty="0"/>
               <a:pPr/>
-              <a:t>4/17/2019</a:t>
+              <a:t>4/18/2019</a:t>
             </a:fld>
             <a:endParaRPr lang="en-US" dirty="0"/>
           </a:p>
@@ -3113,7 +3169,7 @@
             <a:fld id="{B61BEF0D-F0BB-DE4B-95CE-6DB70DBA9567}" type="datetimeFigureOut">
               <a:rPr lang="en-US" dirty="0"/>
               <a:pPr/>
-              <a:t>4/17/2019</a:t>
+              <a:t>4/18/2019</a:t>
             </a:fld>
             <a:endParaRPr lang="en-US" dirty="0"/>
           </a:p>
@@ -3443,7 +3499,7 @@
             <a:fld id="{B61BEF0D-F0BB-DE4B-95CE-6DB70DBA9567}" type="datetimeFigureOut">
               <a:rPr lang="en-US" dirty="0"/>
               <a:pPr/>
-              <a:t>4/17/2019</a:t>
+              <a:t>4/18/2019</a:t>
             </a:fld>
             <a:endParaRPr lang="en-US" dirty="0"/>
           </a:p>
@@ -3754,7 +3810,7 @@
             <a:fld id="{B61BEF0D-F0BB-DE4B-95CE-6DB70DBA9567}" type="datetimeFigureOut">
               <a:rPr lang="en-US" dirty="0"/>
               <a:pPr/>
-              <a:t>4/17/2019</a:t>
+              <a:t>4/18/2019</a:t>
             </a:fld>
             <a:endParaRPr lang="en-US" dirty="0"/>
           </a:p>
@@ -4144,7 +4200,7 @@
             <a:fld id="{B61BEF0D-F0BB-DE4B-95CE-6DB70DBA9567}" type="datetimeFigureOut">
               <a:rPr lang="en-US" dirty="0"/>
               <a:pPr/>
-              <a:t>4/17/2019</a:t>
+              <a:t>4/18/2019</a:t>
             </a:fld>
             <a:endParaRPr lang="en-US" dirty="0"/>
           </a:p>
@@ -4310,7 +4366,7 @@
           <a:p>
             <a:fld id="{55C6B4A9-1611-4792-9094-5F34BCA07E0B}" type="datetimeFigureOut">
               <a:rPr lang="en-US" dirty="0"/>
-              <a:t>4/17/2019</a:t>
+              <a:t>4/18/2019</a:t>
             </a:fld>
             <a:endParaRPr lang="en-US" dirty="0"/>
           </a:p>
@@ -4486,7 +4542,7 @@
             <a:fld id="{B61BEF0D-F0BB-DE4B-95CE-6DB70DBA9567}" type="datetimeFigureOut">
               <a:rPr lang="en-US" dirty="0"/>
               <a:pPr/>
-              <a:t>4/17/2019</a:t>
+              <a:t>4/18/2019</a:t>
             </a:fld>
             <a:endParaRPr lang="en-US" dirty="0"/>
           </a:p>
@@ -4652,7 +4708,7 @@
           <a:p>
             <a:fld id="{42A54C80-263E-416B-A8E0-580EDEADCBDC}" type="datetimeFigureOut">
               <a:rPr lang="en-US" dirty="0"/>
-              <a:t>4/17/2019</a:t>
+              <a:t>4/18/2019</a:t>
             </a:fld>
             <a:endParaRPr lang="en-US" dirty="0"/>
           </a:p>
@@ -4895,7 +4951,7 @@
             <a:fld id="{B61BEF0D-F0BB-DE4B-95CE-6DB70DBA9567}" type="datetimeFigureOut">
               <a:rPr lang="en-US" dirty="0"/>
               <a:pPr/>
-              <a:t>4/17/2019</a:t>
+              <a:t>4/18/2019</a:t>
             </a:fld>
             <a:endParaRPr lang="en-US" dirty="0"/>
           </a:p>
@@ -5123,7 +5179,7 @@
           <a:p>
             <a:fld id="{42A54C80-263E-416B-A8E0-580EDEADCBDC}" type="datetimeFigureOut">
               <a:rPr lang="en-US" dirty="0"/>
-              <a:t>4/17/2019</a:t>
+              <a:t>4/18/2019</a:t>
             </a:fld>
             <a:endParaRPr lang="en-US" dirty="0"/>
           </a:p>
@@ -5493,7 +5549,7 @@
             <a:fld id="{B61BEF0D-F0BB-DE4B-95CE-6DB70DBA9567}" type="datetimeFigureOut">
               <a:rPr lang="en-US" dirty="0"/>
               <a:pPr/>
-              <a:t>4/17/2019</a:t>
+              <a:t>4/18/2019</a:t>
             </a:fld>
             <a:endParaRPr lang="en-US" dirty="0"/>
           </a:p>
@@ -5613,7 +5669,7 @@
             <a:fld id="{B61BEF0D-F0BB-DE4B-95CE-6DB70DBA9567}" type="datetimeFigureOut">
               <a:rPr lang="en-US" dirty="0"/>
               <a:pPr/>
-              <a:t>4/17/2019</a:t>
+              <a:t>4/18/2019</a:t>
             </a:fld>
             <a:endParaRPr lang="en-US" dirty="0"/>
           </a:p>
@@ -5705,7 +5761,7 @@
             <a:fld id="{B61BEF0D-F0BB-DE4B-95CE-6DB70DBA9567}" type="datetimeFigureOut">
               <a:rPr lang="en-US" dirty="0"/>
               <a:pPr/>
-              <a:t>4/17/2019</a:t>
+              <a:t>4/18/2019</a:t>
             </a:fld>
             <a:endParaRPr lang="en-US" dirty="0"/>
           </a:p>
@@ -5956,7 +6012,7 @@
           <a:p>
             <a:fld id="{42A54C80-263E-416B-A8E0-580EDEADCBDC}" type="datetimeFigureOut">
               <a:rPr lang="en-US" dirty="0"/>
-              <a:t>4/17/2019</a:t>
+              <a:t>4/18/2019</a:t>
             </a:fld>
             <a:endParaRPr lang="en-US" dirty="0"/>
           </a:p>
@@ -6258,7 +6314,7 @@
             <a:fld id="{B61BEF0D-F0BB-DE4B-95CE-6DB70DBA9567}" type="datetimeFigureOut">
               <a:rPr lang="en-US" dirty="0"/>
               <a:pPr/>
-              <a:t>4/17/2019</a:t>
+              <a:t>4/18/2019</a:t>
             </a:fld>
             <a:endParaRPr lang="en-US" dirty="0"/>
           </a:p>
@@ -6956,7 +7012,7 @@
             <a:fld id="{B61BEF0D-F0BB-DE4B-95CE-6DB70DBA9567}" type="datetimeFigureOut">
               <a:rPr lang="en-US" dirty="0"/>
               <a:pPr/>
-              <a:t>4/17/2019</a:t>
+              <a:t>4/18/2019</a:t>
             </a:fld>
             <a:endParaRPr lang="en-US" dirty="0"/>
           </a:p>
@@ -8132,7 +8188,7 @@
       </p:sp>
       <p:graphicFrame>
         <p:nvGraphicFramePr>
-          <p:cNvPr id="5" name="Chart 4">
+          <p:cNvPr id="4" name="Chart 3">
             <a:extLst>
               <a:ext uri="{FF2B5EF4-FFF2-40B4-BE49-F238E27FC236}">
                 <a16:creationId xmlns:a16="http://schemas.microsoft.com/office/drawing/2014/main" id="{7ED9381F-7868-452D-8862-4BC031602F4D}"/>
@@ -8145,14 +8201,14 @@
           <p:nvPr>
             <p:extLst>
               <p:ext uri="{D42A27DB-BD31-4B8C-83A1-F6EECF244321}">
-                <p14:modId xmlns:p14="http://schemas.microsoft.com/office/powerpoint/2010/main" val="953692288"/>
+                <p14:modId xmlns:p14="http://schemas.microsoft.com/office/powerpoint/2010/main" val="4210199162"/>
               </p:ext>
             </p:extLst>
           </p:nvPr>
         </p:nvGraphicFramePr>
         <p:xfrm>
-          <a:off x="2232497" y="1692613"/>
-          <a:ext cx="4888149" cy="4839509"/>
+          <a:off x="2077792" y="1429964"/>
+          <a:ext cx="4804528" cy="5063247"/>
         </p:xfrm>
         <a:graphic>
           <a:graphicData uri="http://schemas.openxmlformats.org/drawingml/2006/chart">
